--- a/第5章ppt/新建 Microsoft PowerPoint 演示文稿.pptx
+++ b/第5章ppt/新建 Microsoft PowerPoint 演示文稿.pptx
@@ -8,7 +8,6 @@
     <p:sldId id="256" r:id="rId2"/>
     <p:sldId id="257" r:id="rId3"/>
     <p:sldId id="258" r:id="rId4"/>
-    <p:sldId id="259" r:id="rId5"/>
   </p:sldIdLst>
   <p:sldSz cx="9144000" cy="6858000" type="screen4x3"/>
   <p:notesSz cx="6858000" cy="9144000"/>
@@ -291,7 +290,7 @@
           <a:p>
             <a:fld id="{530820CF-B880-4189-942D-D702A7CBA730}" type="datetimeFigureOut">
               <a:rPr lang="zh-CN" altLang="en-US" smtClean="0"/>
-              <a:t>2020/6/12</a:t>
+              <a:t>2020/6/14</a:t>
             </a:fld>
             <a:endParaRPr lang="zh-CN" altLang="en-US"/>
           </a:p>
@@ -461,7 +460,7 @@
           <a:p>
             <a:fld id="{530820CF-B880-4189-942D-D702A7CBA730}" type="datetimeFigureOut">
               <a:rPr lang="zh-CN" altLang="en-US" smtClean="0"/>
-              <a:t>2020/6/12</a:t>
+              <a:t>2020/6/14</a:t>
             </a:fld>
             <a:endParaRPr lang="zh-CN" altLang="en-US"/>
           </a:p>
@@ -641,7 +640,7 @@
           <a:p>
             <a:fld id="{530820CF-B880-4189-942D-D702A7CBA730}" type="datetimeFigureOut">
               <a:rPr lang="zh-CN" altLang="en-US" smtClean="0"/>
-              <a:t>2020/6/12</a:t>
+              <a:t>2020/6/14</a:t>
             </a:fld>
             <a:endParaRPr lang="zh-CN" altLang="en-US"/>
           </a:p>
@@ -729,16 +728,29 @@
             <p:ph type="title"/>
           </p:nvPr>
         </p:nvSpPr>
-        <p:spPr/>
-        <p:txBody>
-          <a:bodyPr/>
-          <a:lstStyle/>
-          <a:p>
-            <a:r>
-              <a:rPr lang="zh-CN" altLang="en-US" smtClean="0"/>
+        <p:spPr>
+          <a:xfrm>
+            <a:off x="2123728" y="188640"/>
+            <a:ext cx="6563072" cy="1228998"/>
+          </a:xfrm>
+        </p:spPr>
+        <p:txBody>
+          <a:bodyPr/>
+          <a:lstStyle>
+            <a:lvl1pPr>
+              <a:defRPr>
+                <a:solidFill>
+                  <a:srgbClr val="00B050"/>
+                </a:solidFill>
+              </a:defRPr>
+            </a:lvl1pPr>
+          </a:lstStyle>
+          <a:p>
+            <a:r>
+              <a:rPr lang="zh-CN" altLang="en-US" dirty="0" smtClean="0"/>
               <a:t>单击此处编辑母版标题样式</a:t>
             </a:r>
-            <a:endParaRPr lang="zh-CN" altLang="en-US"/>
+            <a:endParaRPr lang="zh-CN" altLang="en-US" dirty="0"/>
           </a:p>
         </p:txBody>
       </p:sp>
@@ -759,38 +771,38 @@
           <a:p>
             <a:pPr lvl="0"/>
             <a:r>
-              <a:rPr lang="zh-CN" altLang="en-US" smtClean="0"/>
+              <a:rPr lang="zh-CN" altLang="en-US" dirty="0" smtClean="0"/>
               <a:t>单击此处编辑母版文本样式</a:t>
             </a:r>
           </a:p>
           <a:p>
             <a:pPr lvl="1"/>
             <a:r>
-              <a:rPr lang="zh-CN" altLang="en-US" smtClean="0"/>
+              <a:rPr lang="zh-CN" altLang="en-US" dirty="0" smtClean="0"/>
               <a:t>第二级</a:t>
             </a:r>
           </a:p>
           <a:p>
             <a:pPr lvl="2"/>
             <a:r>
-              <a:rPr lang="zh-CN" altLang="en-US" smtClean="0"/>
+              <a:rPr lang="zh-CN" altLang="en-US" dirty="0" smtClean="0"/>
               <a:t>第三级</a:t>
             </a:r>
           </a:p>
           <a:p>
             <a:pPr lvl="3"/>
             <a:r>
-              <a:rPr lang="zh-CN" altLang="en-US" smtClean="0"/>
+              <a:rPr lang="zh-CN" altLang="en-US" dirty="0" smtClean="0"/>
               <a:t>第四级</a:t>
             </a:r>
           </a:p>
           <a:p>
             <a:pPr lvl="4"/>
             <a:r>
-              <a:rPr lang="zh-CN" altLang="en-US" smtClean="0"/>
+              <a:rPr lang="zh-CN" altLang="en-US" dirty="0" smtClean="0"/>
               <a:t>第五级</a:t>
             </a:r>
-            <a:endParaRPr lang="zh-CN" altLang="en-US"/>
+            <a:endParaRPr lang="zh-CN" altLang="en-US" dirty="0"/>
           </a:p>
         </p:txBody>
       </p:sp>
@@ -811,7 +823,7 @@
           <a:p>
             <a:fld id="{530820CF-B880-4189-942D-D702A7CBA730}" type="datetimeFigureOut">
               <a:rPr lang="zh-CN" altLang="en-US" smtClean="0"/>
-              <a:t>2020/6/12</a:t>
+              <a:t>2020/6/14</a:t>
             </a:fld>
             <a:endParaRPr lang="zh-CN" altLang="en-US"/>
           </a:p>
@@ -1057,7 +1069,7 @@
           <a:p>
             <a:fld id="{530820CF-B880-4189-942D-D702A7CBA730}" type="datetimeFigureOut">
               <a:rPr lang="zh-CN" altLang="en-US" smtClean="0"/>
-              <a:t>2020/6/12</a:t>
+              <a:t>2020/6/14</a:t>
             </a:fld>
             <a:endParaRPr lang="zh-CN" altLang="en-US"/>
           </a:p>
@@ -1345,7 +1357,7 @@
           <a:p>
             <a:fld id="{530820CF-B880-4189-942D-D702A7CBA730}" type="datetimeFigureOut">
               <a:rPr lang="zh-CN" altLang="en-US" smtClean="0"/>
-              <a:t>2020/6/12</a:t>
+              <a:t>2020/6/14</a:t>
             </a:fld>
             <a:endParaRPr lang="zh-CN" altLang="en-US"/>
           </a:p>
@@ -1767,7 +1779,7 @@
           <a:p>
             <a:fld id="{530820CF-B880-4189-942D-D702A7CBA730}" type="datetimeFigureOut">
               <a:rPr lang="zh-CN" altLang="en-US" smtClean="0"/>
-              <a:t>2020/6/12</a:t>
+              <a:t>2020/6/14</a:t>
             </a:fld>
             <a:endParaRPr lang="zh-CN" altLang="en-US"/>
           </a:p>
@@ -1885,7 +1897,7 @@
           <a:p>
             <a:fld id="{530820CF-B880-4189-942D-D702A7CBA730}" type="datetimeFigureOut">
               <a:rPr lang="zh-CN" altLang="en-US" smtClean="0"/>
-              <a:t>2020/6/12</a:t>
+              <a:t>2020/6/14</a:t>
             </a:fld>
             <a:endParaRPr lang="zh-CN" altLang="en-US"/>
           </a:p>
@@ -1980,7 +1992,7 @@
           <a:p>
             <a:fld id="{530820CF-B880-4189-942D-D702A7CBA730}" type="datetimeFigureOut">
               <a:rPr lang="zh-CN" altLang="en-US" smtClean="0"/>
-              <a:t>2020/6/12</a:t>
+              <a:t>2020/6/14</a:t>
             </a:fld>
             <a:endParaRPr lang="zh-CN" altLang="en-US"/>
           </a:p>
@@ -2257,7 +2269,7 @@
           <a:p>
             <a:fld id="{530820CF-B880-4189-942D-D702A7CBA730}" type="datetimeFigureOut">
               <a:rPr lang="zh-CN" altLang="en-US" smtClean="0"/>
-              <a:t>2020/6/12</a:t>
+              <a:t>2020/6/14</a:t>
             </a:fld>
             <a:endParaRPr lang="zh-CN" altLang="en-US"/>
           </a:p>
@@ -2510,7 +2522,7 @@
           <a:p>
             <a:fld id="{530820CF-B880-4189-942D-D702A7CBA730}" type="datetimeFigureOut">
               <a:rPr lang="zh-CN" altLang="en-US" smtClean="0"/>
-              <a:t>2020/6/12</a:t>
+              <a:t>2020/6/14</a:t>
             </a:fld>
             <a:endParaRPr lang="zh-CN" altLang="en-US"/>
           </a:p>
@@ -2605,8 +2617,8 @@
         </p:nvSpPr>
         <p:spPr>
           <a:xfrm>
-            <a:off x="457200" y="274638"/>
-            <a:ext cx="8229600" cy="1143000"/>
+            <a:off x="2195736" y="260648"/>
+            <a:ext cx="6491064" cy="1156990"/>
           </a:xfrm>
           <a:prstGeom prst="rect">
             <a:avLst/>
@@ -2619,10 +2631,10 @@
           <a:lstStyle/>
           <a:p>
             <a:r>
-              <a:rPr lang="zh-CN" altLang="en-US" smtClean="0"/>
+              <a:rPr lang="zh-CN" altLang="en-US" dirty="0" smtClean="0"/>
               <a:t>单击此处编辑母版标题样式</a:t>
             </a:r>
-            <a:endParaRPr lang="zh-CN" altLang="en-US"/>
+            <a:endParaRPr lang="zh-CN" altLang="en-US" dirty="0"/>
           </a:p>
         </p:txBody>
       </p:sp>
@@ -2653,38 +2665,38 @@
           <a:p>
             <a:pPr lvl="0"/>
             <a:r>
-              <a:rPr lang="zh-CN" altLang="en-US" smtClean="0"/>
+              <a:rPr lang="zh-CN" altLang="en-US" dirty="0" smtClean="0"/>
               <a:t>单击此处编辑母版文本样式</a:t>
             </a:r>
           </a:p>
           <a:p>
             <a:pPr lvl="1"/>
             <a:r>
-              <a:rPr lang="zh-CN" altLang="en-US" smtClean="0"/>
+              <a:rPr lang="zh-CN" altLang="en-US" dirty="0" smtClean="0"/>
               <a:t>第二级</a:t>
             </a:r>
           </a:p>
           <a:p>
             <a:pPr lvl="2"/>
             <a:r>
-              <a:rPr lang="zh-CN" altLang="en-US" smtClean="0"/>
+              <a:rPr lang="zh-CN" altLang="en-US" dirty="0" smtClean="0"/>
               <a:t>第三级</a:t>
             </a:r>
           </a:p>
           <a:p>
             <a:pPr lvl="3"/>
             <a:r>
-              <a:rPr lang="zh-CN" altLang="en-US" smtClean="0"/>
+              <a:rPr lang="zh-CN" altLang="en-US" dirty="0" smtClean="0"/>
               <a:t>第四级</a:t>
             </a:r>
           </a:p>
           <a:p>
             <a:pPr lvl="4"/>
             <a:r>
-              <a:rPr lang="zh-CN" altLang="en-US" smtClean="0"/>
+              <a:rPr lang="zh-CN" altLang="en-US" dirty="0" smtClean="0"/>
               <a:t>第五级</a:t>
             </a:r>
-            <a:endParaRPr lang="zh-CN" altLang="en-US"/>
+            <a:endParaRPr lang="zh-CN" altLang="en-US" dirty="0"/>
           </a:p>
         </p:txBody>
       </p:sp>
@@ -2723,7 +2735,7 @@
           <a:p>
             <a:fld id="{530820CF-B880-4189-942D-D702A7CBA730}" type="datetimeFigureOut">
               <a:rPr lang="zh-CN" altLang="en-US" smtClean="0"/>
-              <a:t>2020/6/12</a:t>
+              <a:t>2020/6/14</a:t>
             </a:fld>
             <a:endParaRPr lang="zh-CN" altLang="en-US"/>
           </a:p>
@@ -2807,6 +2819,36 @@
           </a:p>
         </p:txBody>
       </p:sp>
+      <p:pic>
+        <p:nvPicPr>
+          <p:cNvPr id="7" name="图片 6"/>
+          <p:cNvPicPr>
+            <a:picLocks noChangeAspect="1"/>
+          </p:cNvPicPr>
+          <p:nvPr userDrawn="1"/>
+        </p:nvPicPr>
+        <p:blipFill>
+          <a:blip r:embed="rId13" cstate="print">
+            <a:extLst>
+              <a:ext uri="{28A0092B-C50C-407E-A947-70E740481C1C}">
+                <a14:useLocalDpi xmlns:a14="http://schemas.microsoft.com/office/drawing/2010/main" val="0"/>
+              </a:ext>
+            </a:extLst>
+          </a:blip>
+          <a:stretch>
+            <a:fillRect/>
+          </a:stretch>
+        </p:blipFill>
+        <p:spPr>
+          <a:xfrm>
+            <a:off x="395536" y="260648"/>
+            <a:ext cx="1571642" cy="1047761"/>
+          </a:xfrm>
+          <a:prstGeom prst="rect">
+            <a:avLst/>
+          </a:prstGeom>
+        </p:spPr>
+      </p:pic>
     </p:spTree>
     <p:extLst>
       <p:ext uri="{BB962C8B-B14F-4D97-AF65-F5344CB8AC3E}">
@@ -2837,7 +2879,7 @@
         <a:buNone/>
         <a:defRPr sz="4400" kern="1200">
           <a:solidFill>
-            <a:schemeClr val="tx1"/>
+            <a:srgbClr val="FF0000"/>
           </a:solidFill>
           <a:latin typeface="+mj-lt"/>
           <a:ea typeface="+mj-ea"/>
@@ -3108,53 +3150,38 @@
             <p:ph type="title"/>
           </p:nvPr>
         </p:nvSpPr>
-        <p:spPr>
-          <a:xfrm>
-            <a:off x="1979712" y="188640"/>
-            <a:ext cx="6707088" cy="1084982"/>
-          </a:xfrm>
-        </p:spPr>
-        <p:txBody>
-          <a:bodyPr/>
-          <a:lstStyle/>
-          <a:p>
-            <a:endParaRPr lang="zh-CN" altLang="en-US" dirty="0"/>
-          </a:p>
-        </p:txBody>
-      </p:sp>
-      <p:pic>
-        <p:nvPicPr>
-          <p:cNvPr id="4" name="内容占位符 3"/>
-          <p:cNvPicPr>
-            <a:picLocks noGrp="1" noChangeAspect="1"/>
-          </p:cNvPicPr>
+        <p:spPr/>
+        <p:txBody>
+          <a:bodyPr/>
+          <a:lstStyle/>
+          <a:p>
+            <a:endParaRPr lang="zh-CN" altLang="en-US"/>
+          </a:p>
+        </p:txBody>
+      </p:sp>
+      <p:sp>
+        <p:nvSpPr>
+          <p:cNvPr id="3" name="内容占位符 2"/>
+          <p:cNvSpPr>
+            <a:spLocks noGrp="1"/>
+          </p:cNvSpPr>
           <p:nvPr>
             <p:ph idx="1"/>
           </p:nvPr>
-        </p:nvPicPr>
-        <p:blipFill>
-          <a:blip r:embed="rId2" cstate="print">
-            <a:extLst>
-              <a:ext uri="{28A0092B-C50C-407E-A947-70E740481C1C}">
-                <a14:useLocalDpi xmlns:a14="http://schemas.microsoft.com/office/drawing/2010/main" val="0"/>
-              </a:ext>
-            </a:extLst>
-          </a:blip>
-          <a:stretch>
-            <a:fillRect/>
-          </a:stretch>
-        </p:blipFill>
-        <p:spPr>
-          <a:xfrm>
-            <a:off x="238224" y="188640"/>
-            <a:ext cx="1237432" cy="824955"/>
-          </a:xfrm>
-        </p:spPr>
-      </p:pic>
+        </p:nvSpPr>
+        <p:spPr/>
+        <p:txBody>
+          <a:bodyPr/>
+          <a:lstStyle/>
+          <a:p>
+            <a:endParaRPr lang="zh-CN" altLang="en-US"/>
+          </a:p>
+        </p:txBody>
+      </p:sp>
     </p:spTree>
     <p:extLst>
       <p:ext uri="{BB962C8B-B14F-4D97-AF65-F5344CB8AC3E}">
-        <p14:creationId xmlns:p14="http://schemas.microsoft.com/office/powerpoint/2010/main" val="878029289"/>
+        <p14:creationId xmlns:p14="http://schemas.microsoft.com/office/powerpoint/2010/main" val="1802772209"/>
       </p:ext>
     </p:extLst>
   </p:cSld>
@@ -3202,12 +3229,69 @@
       </p:sp>
       <p:sp>
         <p:nvSpPr>
-          <p:cNvPr id="3" name="内容占位符 2"/>
-          <p:cNvSpPr>
-            <a:spLocks noGrp="1"/>
-          </p:cNvSpPr>
-          <p:nvPr>
-            <p:ph idx="1"/>
+          <p:cNvPr id="3" name="文本占位符 2"/>
+          <p:cNvSpPr>
+            <a:spLocks noGrp="1"/>
+          </p:cNvSpPr>
+          <p:nvPr>
+            <p:ph type="body" idx="1"/>
+          </p:nvPr>
+        </p:nvSpPr>
+        <p:spPr/>
+        <p:txBody>
+          <a:bodyPr/>
+          <a:lstStyle/>
+          <a:p>
+            <a:endParaRPr lang="zh-CN" altLang="en-US"/>
+          </a:p>
+        </p:txBody>
+      </p:sp>
+      <p:sp>
+        <p:nvSpPr>
+          <p:cNvPr id="4" name="内容占位符 3"/>
+          <p:cNvSpPr>
+            <a:spLocks noGrp="1"/>
+          </p:cNvSpPr>
+          <p:nvPr>
+            <p:ph sz="half" idx="2"/>
+          </p:nvPr>
+        </p:nvSpPr>
+        <p:spPr/>
+        <p:txBody>
+          <a:bodyPr/>
+          <a:lstStyle/>
+          <a:p>
+            <a:endParaRPr lang="zh-CN" altLang="en-US"/>
+          </a:p>
+        </p:txBody>
+      </p:sp>
+      <p:sp>
+        <p:nvSpPr>
+          <p:cNvPr id="5" name="文本占位符 4"/>
+          <p:cNvSpPr>
+            <a:spLocks noGrp="1"/>
+          </p:cNvSpPr>
+          <p:nvPr>
+            <p:ph type="body" sz="quarter" idx="3"/>
+          </p:nvPr>
+        </p:nvSpPr>
+        <p:spPr/>
+        <p:txBody>
+          <a:bodyPr/>
+          <a:lstStyle/>
+          <a:p>
+            <a:endParaRPr lang="zh-CN" altLang="en-US"/>
+          </a:p>
+        </p:txBody>
+      </p:sp>
+      <p:sp>
+        <p:nvSpPr>
+          <p:cNvPr id="6" name="内容占位符 5"/>
+          <p:cNvSpPr>
+            <a:spLocks noGrp="1"/>
+          </p:cNvSpPr>
+          <p:nvPr>
+            <p:ph sz="quarter" idx="4"/>
           </p:nvPr>
         </p:nvSpPr>
         <p:spPr/>
@@ -3222,7 +3306,7 @@
     </p:spTree>
     <p:extLst>
       <p:ext uri="{BB962C8B-B14F-4D97-AF65-F5344CB8AC3E}">
-        <p14:creationId xmlns:p14="http://schemas.microsoft.com/office/powerpoint/2010/main" val="2773376440"/>
+        <p14:creationId xmlns:p14="http://schemas.microsoft.com/office/powerpoint/2010/main" val="136036592"/>
       </p:ext>
     </p:extLst>
   </p:cSld>
@@ -3287,135 +3371,29 @@
           </a:p>
         </p:txBody>
       </p:sp>
+      <p:sp>
+        <p:nvSpPr>
+          <p:cNvPr id="4" name="文本占位符 3"/>
+          <p:cNvSpPr>
+            <a:spLocks noGrp="1"/>
+          </p:cNvSpPr>
+          <p:nvPr>
+            <p:ph type="body" sz="half" idx="2"/>
+          </p:nvPr>
+        </p:nvSpPr>
+        <p:spPr/>
+        <p:txBody>
+          <a:bodyPr/>
+          <a:lstStyle/>
+          <a:p>
+            <a:endParaRPr lang="zh-CN" altLang="en-US"/>
+          </a:p>
+        </p:txBody>
+      </p:sp>
     </p:spTree>
     <p:extLst>
       <p:ext uri="{BB962C8B-B14F-4D97-AF65-F5344CB8AC3E}">
-        <p14:creationId xmlns:p14="http://schemas.microsoft.com/office/powerpoint/2010/main" val="2719963883"/>
-      </p:ext>
-    </p:extLst>
-  </p:cSld>
-  <p:clrMapOvr>
-    <a:masterClrMapping/>
-  </p:clrMapOvr>
-</p:sld>
-</file>
-
-<file path=ppt/slides/slide4.xml><?xml version="1.0" encoding="utf-8"?>
-<p:sld xmlns:a="http://schemas.openxmlformats.org/drawingml/2006/main" xmlns:r="http://schemas.openxmlformats.org/officeDocument/2006/relationships" xmlns:p="http://schemas.openxmlformats.org/presentationml/2006/main">
-  <p:cSld>
-    <p:spTree>
-      <p:nvGrpSpPr>
-        <p:cNvPr id="1" name=""/>
-        <p:cNvGrpSpPr/>
-        <p:nvPr/>
-      </p:nvGrpSpPr>
-      <p:grpSpPr>
-        <a:xfrm>
-          <a:off x="0" y="0"/>
-          <a:ext cx="0" cy="0"/>
-          <a:chOff x="0" y="0"/>
-          <a:chExt cx="0" cy="0"/>
-        </a:xfrm>
-      </p:grpSpPr>
-      <p:sp>
-        <p:nvSpPr>
-          <p:cNvPr id="2" name="标题 1"/>
-          <p:cNvSpPr>
-            <a:spLocks noGrp="1"/>
-          </p:cNvSpPr>
-          <p:nvPr>
-            <p:ph type="title"/>
-          </p:nvPr>
-        </p:nvSpPr>
-        <p:spPr/>
-        <p:txBody>
-          <a:bodyPr/>
-          <a:lstStyle/>
-          <a:p>
-            <a:endParaRPr lang="zh-CN" altLang="en-US"/>
-          </a:p>
-        </p:txBody>
-      </p:sp>
-      <p:sp>
-        <p:nvSpPr>
-          <p:cNvPr id="3" name="文本占位符 2"/>
-          <p:cNvSpPr>
-            <a:spLocks noGrp="1"/>
-          </p:cNvSpPr>
-          <p:nvPr>
-            <p:ph type="body" idx="1"/>
-          </p:nvPr>
-        </p:nvSpPr>
-        <p:spPr/>
-        <p:txBody>
-          <a:bodyPr/>
-          <a:lstStyle/>
-          <a:p>
-            <a:endParaRPr lang="zh-CN" altLang="en-US"/>
-          </a:p>
-        </p:txBody>
-      </p:sp>
-      <p:sp>
-        <p:nvSpPr>
-          <p:cNvPr id="4" name="内容占位符 3"/>
-          <p:cNvSpPr>
-            <a:spLocks noGrp="1"/>
-          </p:cNvSpPr>
-          <p:nvPr>
-            <p:ph sz="half" idx="2"/>
-          </p:nvPr>
-        </p:nvSpPr>
-        <p:spPr/>
-        <p:txBody>
-          <a:bodyPr/>
-          <a:lstStyle/>
-          <a:p>
-            <a:endParaRPr lang="zh-CN" altLang="en-US"/>
-          </a:p>
-        </p:txBody>
-      </p:sp>
-      <p:sp>
-        <p:nvSpPr>
-          <p:cNvPr id="5" name="文本占位符 4"/>
-          <p:cNvSpPr>
-            <a:spLocks noGrp="1"/>
-          </p:cNvSpPr>
-          <p:nvPr>
-            <p:ph type="body" sz="quarter" idx="3"/>
-          </p:nvPr>
-        </p:nvSpPr>
-        <p:spPr/>
-        <p:txBody>
-          <a:bodyPr/>
-          <a:lstStyle/>
-          <a:p>
-            <a:endParaRPr lang="zh-CN" altLang="en-US"/>
-          </a:p>
-        </p:txBody>
-      </p:sp>
-      <p:sp>
-        <p:nvSpPr>
-          <p:cNvPr id="6" name="内容占位符 5"/>
-          <p:cNvSpPr>
-            <a:spLocks noGrp="1"/>
-          </p:cNvSpPr>
-          <p:nvPr>
-            <p:ph sz="quarter" idx="4"/>
-          </p:nvPr>
-        </p:nvSpPr>
-        <p:spPr/>
-        <p:txBody>
-          <a:bodyPr/>
-          <a:lstStyle/>
-          <a:p>
-            <a:endParaRPr lang="zh-CN" altLang="en-US"/>
-          </a:p>
-        </p:txBody>
-      </p:sp>
-    </p:spTree>
-    <p:extLst>
-      <p:ext uri="{BB962C8B-B14F-4D97-AF65-F5344CB8AC3E}">
-        <p14:creationId xmlns:p14="http://schemas.microsoft.com/office/powerpoint/2010/main" val="902391213"/>
+        <p14:creationId xmlns:p14="http://schemas.microsoft.com/office/powerpoint/2010/main" val="413109626"/>
       </p:ext>
     </p:extLst>
   </p:cSld>
